--- a/My courses/Networks/Sesion1.pptx
+++ b/My courses/Networks/Sesion1.pptx
@@ -5,19 +5,20 @@
     <p:sldMasterId id="2147483678" r:id="rId1"/>
   </p:sldMasterIdLst>
   <p:notesMasterIdLst>
-    <p:notesMasterId r:id="rId12"/>
+    <p:notesMasterId r:id="rId13"/>
   </p:notesMasterIdLst>
   <p:sldIdLst>
     <p:sldId id="256" r:id="rId2"/>
     <p:sldId id="334" r:id="rId3"/>
-    <p:sldId id="328" r:id="rId4"/>
-    <p:sldId id="322" r:id="rId5"/>
-    <p:sldId id="327" r:id="rId6"/>
-    <p:sldId id="329" r:id="rId7"/>
-    <p:sldId id="330" r:id="rId8"/>
-    <p:sldId id="333" r:id="rId9"/>
-    <p:sldId id="331" r:id="rId10"/>
-    <p:sldId id="332" r:id="rId11"/>
+    <p:sldId id="335" r:id="rId4"/>
+    <p:sldId id="328" r:id="rId5"/>
+    <p:sldId id="322" r:id="rId6"/>
+    <p:sldId id="327" r:id="rId7"/>
+    <p:sldId id="329" r:id="rId8"/>
+    <p:sldId id="330" r:id="rId9"/>
+    <p:sldId id="333" r:id="rId10"/>
+    <p:sldId id="331" r:id="rId11"/>
+    <p:sldId id="332" r:id="rId12"/>
   </p:sldIdLst>
   <p:sldSz cx="12192000" cy="6858000"/>
   <p:notesSz cx="6858000" cy="9144000"/>
@@ -123,6 +124,7 @@
           <p14:sldIdLst>
             <p14:sldId id="256"/>
             <p14:sldId id="334"/>
+            <p14:sldId id="335"/>
             <p14:sldId id="328"/>
             <p14:sldId id="322"/>
             <p14:sldId id="327"/>
@@ -774,6 +776,90 @@
     </a:lvl9pPr>
   </p:notesStyle>
 </p:notesMaster>
+</file>
+
+<file path=ppt/notesSlides/notesSlide1.xml><?xml version="1.0" encoding="utf-8"?>
+<p:notes xmlns:a="http://schemas.openxmlformats.org/drawingml/2006/main" xmlns:r="http://schemas.openxmlformats.org/officeDocument/2006/relationships" xmlns:p="http://schemas.openxmlformats.org/presentationml/2006/main">
+  <p:cSld>
+    <p:spTree>
+      <p:nvGrpSpPr>
+        <p:cNvPr id="1" name=""/>
+        <p:cNvGrpSpPr/>
+        <p:nvPr/>
+      </p:nvGrpSpPr>
+      <p:grpSpPr>
+        <a:xfrm>
+          <a:off x="0" y="0"/>
+          <a:ext cx="0" cy="0"/>
+          <a:chOff x="0" y="0"/>
+          <a:chExt cx="0" cy="0"/>
+        </a:xfrm>
+      </p:grpSpPr>
+      <p:sp>
+        <p:nvSpPr>
+          <p:cNvPr id="2" name="Marcador de imagen de diapositiva 1"/>
+          <p:cNvSpPr>
+            <a:spLocks noGrp="1" noRot="1" noChangeAspect="1"/>
+          </p:cNvSpPr>
+          <p:nvPr>
+            <p:ph type="sldImg"/>
+          </p:nvPr>
+        </p:nvSpPr>
+        <p:spPr/>
+      </p:sp>
+      <p:sp>
+        <p:nvSpPr>
+          <p:cNvPr id="3" name="Marcador de notas 2"/>
+          <p:cNvSpPr>
+            <a:spLocks noGrp="1"/>
+          </p:cNvSpPr>
+          <p:nvPr>
+            <p:ph type="body" idx="1"/>
+          </p:nvPr>
+        </p:nvSpPr>
+        <p:spPr/>
+        <p:txBody>
+          <a:bodyPr/>
+          <a:lstStyle/>
+          <a:p>
+            <a:endParaRPr lang="es-CO" dirty="0"/>
+          </a:p>
+        </p:txBody>
+      </p:sp>
+      <p:sp>
+        <p:nvSpPr>
+          <p:cNvPr id="4" name="Marcador de número de diapositiva 3"/>
+          <p:cNvSpPr>
+            <a:spLocks noGrp="1"/>
+          </p:cNvSpPr>
+          <p:nvPr>
+            <p:ph type="sldNum" sz="quarter" idx="10"/>
+          </p:nvPr>
+        </p:nvSpPr>
+        <p:spPr/>
+        <p:txBody>
+          <a:bodyPr/>
+          <a:lstStyle/>
+          <a:p>
+            <a:fld id="{F36DA31E-7A43-4ADF-BF9A-2CFBB33A44A3}" type="slidenum">
+              <a:rPr lang="es-CO" smtClean="0"/>
+              <a:t>3</a:t>
+            </a:fld>
+            <a:endParaRPr lang="es-CO"/>
+          </a:p>
+        </p:txBody>
+      </p:sp>
+    </p:spTree>
+    <p:extLst>
+      <p:ext uri="{BB962C8B-B14F-4D97-AF65-F5344CB8AC3E}">
+        <p14:creationId xmlns:p14="http://schemas.microsoft.com/office/powerpoint/2010/main" val="1416855199"/>
+      </p:ext>
+    </p:extLst>
+  </p:cSld>
+  <p:clrMapOvr>
+    <a:masterClrMapping/>
+  </p:clrMapOvr>
+</p:notes>
 </file>
 
 <file path=ppt/slideLayouts/slideLayout1.xml><?xml version="1.0" encoding="utf-8"?>
@@ -4910,6 +4996,222 @@
           <a:p>
             <a:r>
               <a:rPr lang="es-CO" dirty="0" smtClean="0"/>
+              <a:t>Próxima clase</a:t>
+            </a:r>
+            <a:endParaRPr lang="es-CO" dirty="0"/>
+          </a:p>
+        </p:txBody>
+      </p:sp>
+      <p:sp>
+        <p:nvSpPr>
+          <p:cNvPr id="3" name="Marcador de contenido 2"/>
+          <p:cNvSpPr>
+            <a:spLocks noGrp="1"/>
+          </p:cNvSpPr>
+          <p:nvPr>
+            <p:ph idx="1"/>
+          </p:nvPr>
+        </p:nvSpPr>
+        <p:spPr/>
+        <p:txBody>
+          <a:bodyPr>
+            <a:normAutofit lnSpcReduction="10000"/>
+          </a:bodyPr>
+          <a:lstStyle/>
+          <a:p>
+            <a:r>
+              <a:rPr lang="es-CO" dirty="0"/>
+              <a:t>¿Qué es una red?</a:t>
+            </a:r>
+          </a:p>
+          <a:p>
+            <a:r>
+              <a:rPr lang="es-CO" dirty="0"/>
+              <a:t>¿Cuáles son los elementos de una red de comunicaciones?</a:t>
+            </a:r>
+          </a:p>
+          <a:p>
+            <a:r>
+              <a:rPr lang="es-CO" dirty="0"/>
+              <a:t>¿Cómo se clasifica una red y que tipos existen? </a:t>
+            </a:r>
+            <a:endParaRPr lang="es-CO" dirty="0" smtClean="0"/>
+          </a:p>
+          <a:p>
+            <a:r>
+              <a:rPr lang="es-CO" dirty="0" smtClean="0"/>
+              <a:t>¿Cuáles son los componentes de una estructura de una red y que tipologías existen?</a:t>
+            </a:r>
+          </a:p>
+          <a:p>
+            <a:r>
+              <a:rPr lang="es-CO" dirty="0" smtClean="0"/>
+              <a:t>Explique el funcionamiento de una red</a:t>
+            </a:r>
+          </a:p>
+          <a:p>
+            <a:r>
+              <a:rPr lang="es-CO" dirty="0" err="1" smtClean="0"/>
+              <a:t>Interredes</a:t>
+            </a:r>
+            <a:endParaRPr lang="es-CO" dirty="0" smtClean="0"/>
+          </a:p>
+          <a:p>
+            <a:r>
+              <a:rPr lang="es-CO" dirty="0" smtClean="0"/>
+              <a:t>Explique los </a:t>
+            </a:r>
+            <a:r>
+              <a:rPr lang="es-CO" dirty="0"/>
+              <a:t>m</a:t>
+            </a:r>
+            <a:r>
+              <a:rPr lang="es-CO" dirty="0" smtClean="0"/>
+              <a:t>odelos de referencia, protocolos y redes basadas en niveles</a:t>
+            </a:r>
+          </a:p>
+          <a:p>
+            <a:r>
+              <a:rPr lang="es-CO" dirty="0" smtClean="0"/>
+              <a:t>Explique las capas de una red</a:t>
+            </a:r>
+          </a:p>
+          <a:p>
+            <a:r>
+              <a:rPr lang="es-CO" dirty="0" smtClean="0"/>
+              <a:t>¿Qué es una dirección IP, un nombre de dominio y </a:t>
+            </a:r>
+            <a:r>
+              <a:rPr lang="es-CO" smtClean="0"/>
+              <a:t>un puerto?</a:t>
+            </a:r>
+            <a:endParaRPr lang="es-CO" dirty="0" smtClean="0"/>
+          </a:p>
+          <a:p>
+            <a:endParaRPr lang="es-CO" dirty="0" smtClean="0"/>
+          </a:p>
+          <a:p>
+            <a:endParaRPr lang="es-CO" dirty="0"/>
+          </a:p>
+        </p:txBody>
+      </p:sp>
+      <p:sp>
+        <p:nvSpPr>
+          <p:cNvPr id="4" name="Marcador de número de diapositiva 3"/>
+          <p:cNvSpPr>
+            <a:spLocks noGrp="1"/>
+          </p:cNvSpPr>
+          <p:nvPr>
+            <p:ph type="sldNum" sz="quarter" idx="12"/>
+          </p:nvPr>
+        </p:nvSpPr>
+        <p:spPr/>
+        <p:txBody>
+          <a:bodyPr/>
+          <a:lstStyle/>
+          <a:p>
+            <a:fld id="{C5E5B3A9-79B5-4540-A326-FCC6F92DD987}" type="slidenum">
+              <a:rPr lang="es-CO" smtClean="0"/>
+              <a:t>10</a:t>
+            </a:fld>
+            <a:endParaRPr lang="es-CO"/>
+          </a:p>
+        </p:txBody>
+      </p:sp>
+      <p:pic>
+        <p:nvPicPr>
+          <p:cNvPr id="5" name="Picture 2" descr="Resultado de imagen para icesi a otro nivel">
+            <a:extLst>
+              <a:ext uri="{FF2B5EF4-FFF2-40B4-BE49-F238E27FC236}">
+                <a16:creationId xmlns:a16="http://schemas.microsoft.com/office/drawing/2014/main" id="{D7F490AC-5003-4CAB-99EE-50151E9B8008}"/>
+              </a:ext>
+            </a:extLst>
+          </p:cNvPr>
+          <p:cNvPicPr>
+            <a:picLocks noChangeAspect="1" noChangeArrowheads="1"/>
+          </p:cNvPicPr>
+          <p:nvPr/>
+        </p:nvPicPr>
+        <p:blipFill>
+          <a:blip r:embed="rId2">
+            <a:extLst>
+              <a:ext uri="{28A0092B-C50C-407E-A947-70E740481C1C}">
+                <a14:useLocalDpi xmlns:a14="http://schemas.microsoft.com/office/drawing/2010/main" val="0"/>
+              </a:ext>
+            </a:extLst>
+          </a:blip>
+          <a:srcRect/>
+          <a:stretch>
+            <a:fillRect/>
+          </a:stretch>
+        </p:blipFill>
+        <p:spPr bwMode="auto">
+          <a:xfrm>
+            <a:off x="0" y="6181436"/>
+            <a:ext cx="2436655" cy="685800"/>
+          </a:xfrm>
+          <a:prstGeom prst="rect">
+            <a:avLst/>
+          </a:prstGeom>
+          <a:noFill/>
+          <a:extLst>
+            <a:ext uri="{909E8E84-426E-40DD-AFC4-6F175D3DCCD1}">
+              <a14:hiddenFill xmlns:a14="http://schemas.microsoft.com/office/drawing/2010/main">
+                <a:solidFill>
+                  <a:srgbClr val="FFFFFF"/>
+                </a:solidFill>
+              </a14:hiddenFill>
+            </a:ext>
+          </a:extLst>
+        </p:spPr>
+      </p:pic>
+    </p:spTree>
+    <p:extLst>
+      <p:ext uri="{BB962C8B-B14F-4D97-AF65-F5344CB8AC3E}">
+        <p14:creationId xmlns:p14="http://schemas.microsoft.com/office/powerpoint/2010/main" val="1817516686"/>
+      </p:ext>
+    </p:extLst>
+  </p:cSld>
+  <p:clrMapOvr>
+    <a:masterClrMapping/>
+  </p:clrMapOvr>
+</p:sld>
+</file>
+
+<file path=ppt/slides/slide11.xml><?xml version="1.0" encoding="utf-8"?>
+<p:sld xmlns:a="http://schemas.openxmlformats.org/drawingml/2006/main" xmlns:r="http://schemas.openxmlformats.org/officeDocument/2006/relationships" xmlns:p="http://schemas.openxmlformats.org/presentationml/2006/main">
+  <p:cSld>
+    <p:spTree>
+      <p:nvGrpSpPr>
+        <p:cNvPr id="1" name=""/>
+        <p:cNvGrpSpPr/>
+        <p:nvPr/>
+      </p:nvGrpSpPr>
+      <p:grpSpPr>
+        <a:xfrm>
+          <a:off x="0" y="0"/>
+          <a:ext cx="0" cy="0"/>
+          <a:chOff x="0" y="0"/>
+          <a:chExt cx="0" cy="0"/>
+        </a:xfrm>
+      </p:grpSpPr>
+      <p:sp>
+        <p:nvSpPr>
+          <p:cNvPr id="2" name="Título 1"/>
+          <p:cNvSpPr>
+            <a:spLocks noGrp="1"/>
+          </p:cNvSpPr>
+          <p:nvPr>
+            <p:ph type="title"/>
+          </p:nvPr>
+        </p:nvSpPr>
+        <p:spPr/>
+        <p:txBody>
+          <a:bodyPr/>
+          <a:lstStyle/>
+          <a:p>
+            <a:r>
+              <a:rPr lang="es-CO" dirty="0" smtClean="0"/>
               <a:t>Lecturas</a:t>
             </a:r>
             <a:endParaRPr lang="es-CO" dirty="0"/>
@@ -4926,7 +5228,7 @@
             <p:ph idx="1"/>
             <p:extLst>
               <p:ext uri="{D42A27DB-BD31-4B8C-83A1-F6EECF244321}">
-                <p14:modId xmlns:p14="http://schemas.microsoft.com/office/powerpoint/2010/main" val="1763271631"/>
+                <p14:modId xmlns:p14="http://schemas.microsoft.com/office/powerpoint/2010/main" val="3513970991"/>
               </p:ext>
             </p:extLst>
           </p:nvPr>
@@ -4942,14 +5244,14 @@
                 <a:tableStyleId>{5C22544A-7EE6-4342-B048-85BDC9FD1C3A}</a:tableStyleId>
               </a:tblPr>
               <a:tblGrid>
-                <a:gridCol w="5443988">
+                <a:gridCol w="4938939">
                   <a:extLst>
                     <a:ext uri="{9D8B030D-6E8A-4147-A177-3AD203B41FA5}">
                       <a16:colId xmlns:a16="http://schemas.microsoft.com/office/drawing/2014/main" val="1869336091"/>
                     </a:ext>
                   </a:extLst>
                 </a:gridCol>
-                <a:gridCol w="4614412">
+                <a:gridCol w="5119461">
                   <a:extLst>
                     <a:ext uri="{9D8B030D-6E8A-4147-A177-3AD203B41FA5}">
                       <a16:colId xmlns:a16="http://schemas.microsoft.com/office/drawing/2014/main" val="1297609366"/>
@@ -4979,7 +5281,44 @@
                       </a:endParaRPr>
                     </a:p>
                   </a:txBody>
-                  <a:tcPr marL="7497" marR="7497" marT="7497" marB="0" anchor="ctr"/>
+                  <a:tcPr marL="7497" marR="7497" marT="7497" marB="0" anchor="ctr">
+                    <a:lnL w="12700" cap="flat" cmpd="sng" algn="ctr">
+                      <a:solidFill>
+                        <a:schemeClr val="tx1"/>
+                      </a:solidFill>
+                      <a:prstDash val="solid"/>
+                      <a:round/>
+                      <a:headEnd type="none" w="med" len="med"/>
+                      <a:tailEnd type="none" w="med" len="med"/>
+                    </a:lnL>
+                    <a:lnR w="12700" cap="flat" cmpd="sng" algn="ctr">
+                      <a:solidFill>
+                        <a:schemeClr val="tx1"/>
+                      </a:solidFill>
+                      <a:prstDash val="solid"/>
+                      <a:round/>
+                      <a:headEnd type="none" w="med" len="med"/>
+                      <a:tailEnd type="none" w="med" len="med"/>
+                    </a:lnR>
+                    <a:lnT w="12700" cap="flat" cmpd="sng" algn="ctr">
+                      <a:solidFill>
+                        <a:schemeClr val="tx1"/>
+                      </a:solidFill>
+                      <a:prstDash val="solid"/>
+                      <a:round/>
+                      <a:headEnd type="none" w="med" len="med"/>
+                      <a:tailEnd type="none" w="med" len="med"/>
+                    </a:lnT>
+                    <a:lnB w="12700" cap="flat" cmpd="sng" algn="ctr">
+                      <a:solidFill>
+                        <a:schemeClr val="tx1"/>
+                      </a:solidFill>
+                      <a:prstDash val="solid"/>
+                      <a:round/>
+                      <a:headEnd type="none" w="med" len="med"/>
+                      <a:tailEnd type="none" w="med" len="med"/>
+                    </a:lnB>
+                  </a:tcPr>
                 </a:tc>
                 <a:tc>
                   <a:txBody>
@@ -4988,12 +5327,12 @@
                     <a:p>
                       <a:pPr algn="l" fontAlgn="b"/>
                       <a:r>
-                        <a:rPr lang="es-MX" sz="1400" u="none" strike="noStrike">
+                        <a:rPr lang="es-MX" sz="1400" u="none" strike="noStrike" dirty="0">
                           <a:effectLst/>
                         </a:rPr>
                         <a:t>1. Arboleda, L. (2012). Programación en Red con Java. </a:t>
                       </a:r>
-                      <a:endParaRPr lang="es-MX" sz="1400" b="0" i="0" u="none" strike="noStrike">
+                      <a:endParaRPr lang="es-MX" sz="1400" b="0" i="0" u="none" strike="noStrike" dirty="0">
                         <a:solidFill>
                           <a:srgbClr val="000000"/>
                         </a:solidFill>
@@ -5002,7 +5341,35 @@
                       </a:endParaRPr>
                     </a:p>
                   </a:txBody>
-                  <a:tcPr marL="7497" marR="7497" marT="7497" marB="0" anchor="b"/>
+                  <a:tcPr marL="7497" marR="7497" marT="7497" marB="0" anchor="b">
+                    <a:lnL w="12700" cap="flat" cmpd="sng" algn="ctr">
+                      <a:solidFill>
+                        <a:schemeClr val="tx1"/>
+                      </a:solidFill>
+                      <a:prstDash val="solid"/>
+                      <a:round/>
+                      <a:headEnd type="none" w="med" len="med"/>
+                      <a:tailEnd type="none" w="med" len="med"/>
+                    </a:lnL>
+                    <a:lnR w="12700" cap="flat" cmpd="sng" algn="ctr">
+                      <a:solidFill>
+                        <a:schemeClr val="tx1"/>
+                      </a:solidFill>
+                      <a:prstDash val="solid"/>
+                      <a:round/>
+                      <a:headEnd type="none" w="med" len="med"/>
+                      <a:tailEnd type="none" w="med" len="med"/>
+                    </a:lnR>
+                    <a:lnT w="12700" cap="flat" cmpd="sng" algn="ctr">
+                      <a:solidFill>
+                        <a:schemeClr val="tx1"/>
+                      </a:solidFill>
+                      <a:prstDash val="solid"/>
+                      <a:round/>
+                      <a:headEnd type="none" w="med" len="med"/>
+                      <a:tailEnd type="none" w="med" len="med"/>
+                    </a:lnT>
+                  </a:tcPr>
                 </a:tc>
                 <a:extLst>
                   <a:ext uri="{0D108BD9-81ED-4DB2-BD59-A6C34878D82A}">
@@ -5028,12 +5395,48 @@
                     <a:p>
                       <a:pPr algn="l" fontAlgn="b"/>
                       <a:r>
-                        <a:rPr lang="es-CO" sz="1400" u="none" strike="noStrike">
+                        <a:rPr lang="es-CO" sz="1400" u="none" strike="noStrike" dirty="0">
                           <a:effectLst/>
                         </a:rPr>
-                        <a:t>2. Harold, E. (2004). Java network programming. " O'Reilly Media, Inc.".</a:t>
+                        <a:t>2. Harold, E. (2004). Java </a:t>
                       </a:r>
-                      <a:endParaRPr lang="es-CO" sz="1400" b="0" i="0" u="none" strike="noStrike">
+                      <a:r>
+                        <a:rPr lang="es-CO" sz="1400" u="none" strike="noStrike" dirty="0" err="1">
+                          <a:effectLst/>
+                        </a:rPr>
+                        <a:t>network</a:t>
+                      </a:r>
+                      <a:r>
+                        <a:rPr lang="es-CO" sz="1400" u="none" strike="noStrike" dirty="0">
+                          <a:effectLst/>
+                        </a:rPr>
+                        <a:t> </a:t>
+                      </a:r>
+                      <a:r>
+                        <a:rPr lang="es-CO" sz="1400" u="none" strike="noStrike" dirty="0" err="1">
+                          <a:effectLst/>
+                        </a:rPr>
+                        <a:t>programming</a:t>
+                      </a:r>
+                      <a:r>
+                        <a:rPr lang="es-CO" sz="1400" u="none" strike="noStrike" dirty="0">
+                          <a:effectLst/>
+                        </a:rPr>
+                        <a:t>. " </a:t>
+                      </a:r>
+                      <a:r>
+                        <a:rPr lang="es-CO" sz="1400" u="none" strike="noStrike" dirty="0" err="1">
+                          <a:effectLst/>
+                        </a:rPr>
+                        <a:t>O'Reilly</a:t>
+                      </a:r>
+                      <a:r>
+                        <a:rPr lang="es-CO" sz="1400" u="none" strike="noStrike" dirty="0">
+                          <a:effectLst/>
+                        </a:rPr>
+                        <a:t> Media, Inc.".</a:t>
+                      </a:r>
+                      <a:endParaRPr lang="es-CO" sz="1400" b="0" i="0" u="none" strike="noStrike" dirty="0">
                         <a:solidFill>
                           <a:srgbClr val="000000"/>
                         </a:solidFill>
@@ -5042,7 +5445,26 @@
                       </a:endParaRPr>
                     </a:p>
                   </a:txBody>
-                  <a:tcPr marL="7497" marR="7497" marT="7497" marB="0" anchor="b"/>
+                  <a:tcPr marL="7497" marR="7497" marT="7497" marB="0" anchor="b">
+                    <a:lnL w="12700" cap="flat" cmpd="sng" algn="ctr">
+                      <a:solidFill>
+                        <a:schemeClr val="tx1"/>
+                      </a:solidFill>
+                      <a:prstDash val="solid"/>
+                      <a:round/>
+                      <a:headEnd type="none" w="med" len="med"/>
+                      <a:tailEnd type="none" w="med" len="med"/>
+                    </a:lnL>
+                    <a:lnR w="12700" cap="flat" cmpd="sng" algn="ctr">
+                      <a:solidFill>
+                        <a:schemeClr val="tx1"/>
+                      </a:solidFill>
+                      <a:prstDash val="solid"/>
+                      <a:round/>
+                      <a:headEnd type="none" w="med" len="med"/>
+                      <a:tailEnd type="none" w="med" len="med"/>
+                    </a:lnR>
+                  </a:tcPr>
                 </a:tc>
                 <a:extLst>
                   <a:ext uri="{0D108BD9-81ED-4DB2-BD59-A6C34878D82A}">
@@ -5068,12 +5490,24 @@
                     <a:p>
                       <a:pPr algn="l" fontAlgn="b"/>
                       <a:r>
-                        <a:rPr lang="es-MX" sz="1400" u="none" strike="noStrike">
+                        <a:rPr lang="es-MX" sz="1400" u="none" strike="noStrike" dirty="0">
                           <a:effectLst/>
                         </a:rPr>
-                        <a:t>3. Tanenbaum, A. S. (2003). Redes de computadoras. Pearson educación.</a:t>
+                        <a:t>3. </a:t>
                       </a:r>
-                      <a:endParaRPr lang="es-MX" sz="1400" b="0" i="0" u="none" strike="noStrike">
+                      <a:r>
+                        <a:rPr lang="es-MX" sz="1400" u="none" strike="noStrike" dirty="0" err="1">
+                          <a:effectLst/>
+                        </a:rPr>
+                        <a:t>Tanenbaum</a:t>
+                      </a:r>
+                      <a:r>
+                        <a:rPr lang="es-MX" sz="1400" u="none" strike="noStrike" dirty="0">
+                          <a:effectLst/>
+                        </a:rPr>
+                        <a:t>, A. S. (2003). Redes de computadoras. Pearson educación.</a:t>
+                      </a:r>
+                      <a:endParaRPr lang="es-MX" sz="1400" b="0" i="0" u="none" strike="noStrike" dirty="0">
                         <a:solidFill>
                           <a:srgbClr val="000000"/>
                         </a:solidFill>
@@ -5082,7 +5516,26 @@
                       </a:endParaRPr>
                     </a:p>
                   </a:txBody>
-                  <a:tcPr marL="7497" marR="7497" marT="7497" marB="0" anchor="b"/>
+                  <a:tcPr marL="7497" marR="7497" marT="7497" marB="0" anchor="b">
+                    <a:lnL w="12700" cap="flat" cmpd="sng" algn="ctr">
+                      <a:solidFill>
+                        <a:schemeClr val="tx1"/>
+                      </a:solidFill>
+                      <a:prstDash val="solid"/>
+                      <a:round/>
+                      <a:headEnd type="none" w="med" len="med"/>
+                      <a:tailEnd type="none" w="med" len="med"/>
+                    </a:lnL>
+                    <a:lnR w="12700" cap="flat" cmpd="sng" algn="ctr">
+                      <a:solidFill>
+                        <a:schemeClr val="tx1"/>
+                      </a:solidFill>
+                      <a:prstDash val="solid"/>
+                      <a:round/>
+                      <a:headEnd type="none" w="med" len="med"/>
+                      <a:tailEnd type="none" w="med" len="med"/>
+                    </a:lnR>
+                  </a:tcPr>
                 </a:tc>
                 <a:extLst>
                   <a:ext uri="{0D108BD9-81ED-4DB2-BD59-A6C34878D82A}">
@@ -5116,7 +5569,26 @@
                       </a:endParaRPr>
                     </a:p>
                   </a:txBody>
-                  <a:tcPr marL="7497" marR="7497" marT="7497" marB="0" anchor="b"/>
+                  <a:tcPr marL="7497" marR="7497" marT="7497" marB="0" anchor="b">
+                    <a:lnL w="12700" cap="flat" cmpd="sng" algn="ctr">
+                      <a:solidFill>
+                        <a:schemeClr val="tx1"/>
+                      </a:solidFill>
+                      <a:prstDash val="solid"/>
+                      <a:round/>
+                      <a:headEnd type="none" w="med" len="med"/>
+                      <a:tailEnd type="none" w="med" len="med"/>
+                    </a:lnL>
+                    <a:lnR w="12700" cap="flat" cmpd="sng" algn="ctr">
+                      <a:solidFill>
+                        <a:schemeClr val="tx1"/>
+                      </a:solidFill>
+                      <a:prstDash val="solid"/>
+                      <a:round/>
+                      <a:headEnd type="none" w="med" len="med"/>
+                      <a:tailEnd type="none" w="med" len="med"/>
+                    </a:lnR>
+                  </a:tcPr>
                 </a:tc>
                 <a:extLst>
                   <a:ext uri="{0D108BD9-81ED-4DB2-BD59-A6C34878D82A}">
@@ -5150,7 +5622,35 @@
                       </a:endParaRPr>
                     </a:p>
                   </a:txBody>
-                  <a:tcPr marL="7497" marR="7497" marT="7497" marB="0" anchor="b"/>
+                  <a:tcPr marL="7497" marR="7497" marT="7497" marB="0" anchor="b">
+                    <a:lnL w="12700" cap="flat" cmpd="sng" algn="ctr">
+                      <a:solidFill>
+                        <a:schemeClr val="tx1"/>
+                      </a:solidFill>
+                      <a:prstDash val="solid"/>
+                      <a:round/>
+                      <a:headEnd type="none" w="med" len="med"/>
+                      <a:tailEnd type="none" w="med" len="med"/>
+                    </a:lnL>
+                    <a:lnR w="12700" cap="flat" cmpd="sng" algn="ctr">
+                      <a:solidFill>
+                        <a:schemeClr val="tx1"/>
+                      </a:solidFill>
+                      <a:prstDash val="solid"/>
+                      <a:round/>
+                      <a:headEnd type="none" w="med" len="med"/>
+                      <a:tailEnd type="none" w="med" len="med"/>
+                    </a:lnR>
+                    <a:lnB w="12700" cap="flat" cmpd="sng" algn="ctr">
+                      <a:solidFill>
+                        <a:schemeClr val="tx1"/>
+                      </a:solidFill>
+                      <a:prstDash val="solid"/>
+                      <a:round/>
+                      <a:headEnd type="none" w="med" len="med"/>
+                      <a:tailEnd type="none" w="med" len="med"/>
+                    </a:lnB>
+                  </a:tcPr>
                 </a:tc>
                 <a:extLst>
                   <a:ext uri="{0D108BD9-81ED-4DB2-BD59-A6C34878D82A}">
@@ -5180,7 +5680,44 @@
                       </a:endParaRPr>
                     </a:p>
                   </a:txBody>
-                  <a:tcPr marL="7497" marR="7497" marT="7497" marB="0" anchor="ctr"/>
+                  <a:tcPr marL="7497" marR="7497" marT="7497" marB="0" anchor="ctr">
+                    <a:lnL w="12700" cap="flat" cmpd="sng" algn="ctr">
+                      <a:solidFill>
+                        <a:schemeClr val="tx1"/>
+                      </a:solidFill>
+                      <a:prstDash val="solid"/>
+                      <a:round/>
+                      <a:headEnd type="none" w="med" len="med"/>
+                      <a:tailEnd type="none" w="med" len="med"/>
+                    </a:lnL>
+                    <a:lnR w="12700" cap="flat" cmpd="sng" algn="ctr">
+                      <a:solidFill>
+                        <a:schemeClr val="tx1"/>
+                      </a:solidFill>
+                      <a:prstDash val="solid"/>
+                      <a:round/>
+                      <a:headEnd type="none" w="med" len="med"/>
+                      <a:tailEnd type="none" w="med" len="med"/>
+                    </a:lnR>
+                    <a:lnT w="12700" cap="flat" cmpd="sng" algn="ctr">
+                      <a:solidFill>
+                        <a:schemeClr val="tx1"/>
+                      </a:solidFill>
+                      <a:prstDash val="solid"/>
+                      <a:round/>
+                      <a:headEnd type="none" w="med" len="med"/>
+                      <a:tailEnd type="none" w="med" len="med"/>
+                    </a:lnT>
+                    <a:lnB w="12700" cap="flat" cmpd="sng" algn="ctr">
+                      <a:solidFill>
+                        <a:schemeClr val="tx1"/>
+                      </a:solidFill>
+                      <a:prstDash val="solid"/>
+                      <a:round/>
+                      <a:headEnd type="none" w="med" len="med"/>
+                      <a:tailEnd type="none" w="med" len="med"/>
+                    </a:lnB>
+                  </a:tcPr>
                 </a:tc>
                 <a:tc>
                   <a:txBody>
@@ -5209,7 +5746,35 @@
                       </a:endParaRPr>
                     </a:p>
                   </a:txBody>
-                  <a:tcPr marL="7497" marR="7497" marT="7497" marB="0" anchor="b"/>
+                  <a:tcPr marL="7497" marR="7497" marT="7497" marB="0" anchor="b">
+                    <a:lnL w="12700" cap="flat" cmpd="sng" algn="ctr">
+                      <a:solidFill>
+                        <a:schemeClr val="tx1"/>
+                      </a:solidFill>
+                      <a:prstDash val="solid"/>
+                      <a:round/>
+                      <a:headEnd type="none" w="med" len="med"/>
+                      <a:tailEnd type="none" w="med" len="med"/>
+                    </a:lnL>
+                    <a:lnR w="12700" cap="flat" cmpd="sng" algn="ctr">
+                      <a:solidFill>
+                        <a:schemeClr val="tx1"/>
+                      </a:solidFill>
+                      <a:prstDash val="solid"/>
+                      <a:round/>
+                      <a:headEnd type="none" w="med" len="med"/>
+                      <a:tailEnd type="none" w="med" len="med"/>
+                    </a:lnR>
+                    <a:lnT w="12700" cap="flat" cmpd="sng" algn="ctr">
+                      <a:solidFill>
+                        <a:schemeClr val="tx1"/>
+                      </a:solidFill>
+                      <a:prstDash val="solid"/>
+                      <a:round/>
+                      <a:headEnd type="none" w="med" len="med"/>
+                      <a:tailEnd type="none" w="med" len="med"/>
+                    </a:lnT>
+                  </a:tcPr>
                 </a:tc>
                 <a:extLst>
                   <a:ext uri="{0D108BD9-81ED-4DB2-BD59-A6C34878D82A}">
@@ -5235,12 +5800,24 @@
                     <a:p>
                       <a:pPr algn="l" fontAlgn="b"/>
                       <a:r>
-                        <a:rPr lang="es-MX" sz="1400" u="none" strike="noStrike">
+                        <a:rPr lang="es-MX" sz="1400" u="none" strike="noStrike" dirty="0">
                           <a:effectLst/>
                         </a:rPr>
-                        <a:t>A2. Revisar el contenido del libro 2, del chapter 1 leer páginas 1-14.</a:t>
+                        <a:t>A2. Revisar el contenido del libro 2, del </a:t>
                       </a:r>
-                      <a:endParaRPr lang="es-MX" sz="1400" b="0" i="0" u="none" strike="noStrike">
+                      <a:r>
+                        <a:rPr lang="es-MX" sz="1400" u="none" strike="noStrike" dirty="0" err="1">
+                          <a:effectLst/>
+                        </a:rPr>
+                        <a:t>chapter</a:t>
+                      </a:r>
+                      <a:r>
+                        <a:rPr lang="es-MX" sz="1400" u="none" strike="noStrike" dirty="0">
+                          <a:effectLst/>
+                        </a:rPr>
+                        <a:t> 1 leer páginas 1-14.</a:t>
+                      </a:r>
+                      <a:endParaRPr lang="es-MX" sz="1400" b="0" i="0" u="none" strike="noStrike" dirty="0">
                         <a:solidFill>
                           <a:srgbClr val="000000"/>
                         </a:solidFill>
@@ -5249,7 +5826,26 @@
                       </a:endParaRPr>
                     </a:p>
                   </a:txBody>
-                  <a:tcPr marL="7497" marR="7497" marT="7497" marB="0" anchor="b"/>
+                  <a:tcPr marL="7497" marR="7497" marT="7497" marB="0" anchor="b">
+                    <a:lnL w="12700" cap="flat" cmpd="sng" algn="ctr">
+                      <a:solidFill>
+                        <a:schemeClr val="tx1"/>
+                      </a:solidFill>
+                      <a:prstDash val="solid"/>
+                      <a:round/>
+                      <a:headEnd type="none" w="med" len="med"/>
+                      <a:tailEnd type="none" w="med" len="med"/>
+                    </a:lnL>
+                    <a:lnR w="12700" cap="flat" cmpd="sng" algn="ctr">
+                      <a:solidFill>
+                        <a:schemeClr val="tx1"/>
+                      </a:solidFill>
+                      <a:prstDash val="solid"/>
+                      <a:round/>
+                      <a:headEnd type="none" w="med" len="med"/>
+                      <a:tailEnd type="none" w="med" len="med"/>
+                    </a:lnR>
+                  </a:tcPr>
                 </a:tc>
                 <a:extLst>
                   <a:ext uri="{0D108BD9-81ED-4DB2-BD59-A6C34878D82A}">
@@ -5283,7 +5879,26 @@
                       </a:endParaRPr>
                     </a:p>
                   </a:txBody>
-                  <a:tcPr marL="7497" marR="7497" marT="7497" marB="0" anchor="b"/>
+                  <a:tcPr marL="7497" marR="7497" marT="7497" marB="0" anchor="b">
+                    <a:lnL w="12700" cap="flat" cmpd="sng" algn="ctr">
+                      <a:solidFill>
+                        <a:schemeClr val="tx1"/>
+                      </a:solidFill>
+                      <a:prstDash val="solid"/>
+                      <a:round/>
+                      <a:headEnd type="none" w="med" len="med"/>
+                      <a:tailEnd type="none" w="med" len="med"/>
+                    </a:lnL>
+                    <a:lnR w="12700" cap="flat" cmpd="sng" algn="ctr">
+                      <a:solidFill>
+                        <a:schemeClr val="tx1"/>
+                      </a:solidFill>
+                      <a:prstDash val="solid"/>
+                      <a:round/>
+                      <a:headEnd type="none" w="med" len="med"/>
+                      <a:tailEnd type="none" w="med" len="med"/>
+                    </a:lnR>
+                  </a:tcPr>
                 </a:tc>
                 <a:extLst>
                   <a:ext uri="{0D108BD9-81ED-4DB2-BD59-A6C34878D82A}">
@@ -5317,7 +5932,26 @@
                       </a:endParaRPr>
                     </a:p>
                   </a:txBody>
-                  <a:tcPr marL="7497" marR="7497" marT="7497" marB="0" anchor="b"/>
+                  <a:tcPr marL="7497" marR="7497" marT="7497" marB="0" anchor="b">
+                    <a:lnL w="12700" cap="flat" cmpd="sng" algn="ctr">
+                      <a:solidFill>
+                        <a:schemeClr val="tx1"/>
+                      </a:solidFill>
+                      <a:prstDash val="solid"/>
+                      <a:round/>
+                      <a:headEnd type="none" w="med" len="med"/>
+                      <a:tailEnd type="none" w="med" len="med"/>
+                    </a:lnL>
+                    <a:lnR w="12700" cap="flat" cmpd="sng" algn="ctr">
+                      <a:solidFill>
+                        <a:schemeClr val="tx1"/>
+                      </a:solidFill>
+                      <a:prstDash val="solid"/>
+                      <a:round/>
+                      <a:headEnd type="none" w="med" len="med"/>
+                      <a:tailEnd type="none" w="med" len="med"/>
+                    </a:lnR>
+                  </a:tcPr>
                 </a:tc>
                 <a:extLst>
                   <a:ext uri="{0D108BD9-81ED-4DB2-BD59-A6C34878D82A}">
@@ -5351,7 +5985,26 @@
                       </a:endParaRPr>
                     </a:p>
                   </a:txBody>
-                  <a:tcPr marL="7497" marR="7497" marT="7497" marB="0" anchor="b"/>
+                  <a:tcPr marL="7497" marR="7497" marT="7497" marB="0" anchor="b">
+                    <a:lnL w="12700" cap="flat" cmpd="sng" algn="ctr">
+                      <a:solidFill>
+                        <a:schemeClr val="tx1"/>
+                      </a:solidFill>
+                      <a:prstDash val="solid"/>
+                      <a:round/>
+                      <a:headEnd type="none" w="med" len="med"/>
+                      <a:tailEnd type="none" w="med" len="med"/>
+                    </a:lnL>
+                    <a:lnR w="12700" cap="flat" cmpd="sng" algn="ctr">
+                      <a:solidFill>
+                        <a:schemeClr val="tx1"/>
+                      </a:solidFill>
+                      <a:prstDash val="solid"/>
+                      <a:round/>
+                      <a:headEnd type="none" w="med" len="med"/>
+                      <a:tailEnd type="none" w="med" len="med"/>
+                    </a:lnR>
+                  </a:tcPr>
                 </a:tc>
                 <a:extLst>
                   <a:ext uri="{0D108BD9-81ED-4DB2-BD59-A6C34878D82A}">
@@ -5385,7 +6038,35 @@
                       </a:endParaRPr>
                     </a:p>
                   </a:txBody>
-                  <a:tcPr marL="7497" marR="7497" marT="7497" marB="0" anchor="b"/>
+                  <a:tcPr marL="7497" marR="7497" marT="7497" marB="0" anchor="b">
+                    <a:lnL w="12700" cap="flat" cmpd="sng" algn="ctr">
+                      <a:solidFill>
+                        <a:schemeClr val="tx1"/>
+                      </a:solidFill>
+                      <a:prstDash val="solid"/>
+                      <a:round/>
+                      <a:headEnd type="none" w="med" len="med"/>
+                      <a:tailEnd type="none" w="med" len="med"/>
+                    </a:lnL>
+                    <a:lnR w="12700" cap="flat" cmpd="sng" algn="ctr">
+                      <a:solidFill>
+                        <a:schemeClr val="tx1"/>
+                      </a:solidFill>
+                      <a:prstDash val="solid"/>
+                      <a:round/>
+                      <a:headEnd type="none" w="med" len="med"/>
+                      <a:tailEnd type="none" w="med" len="med"/>
+                    </a:lnR>
+                    <a:lnB w="12700" cap="flat" cmpd="sng" algn="ctr">
+                      <a:solidFill>
+                        <a:schemeClr val="tx1"/>
+                      </a:solidFill>
+                      <a:prstDash val="solid"/>
+                      <a:round/>
+                      <a:headEnd type="none" w="med" len="med"/>
+                      <a:tailEnd type="none" w="med" len="med"/>
+                    </a:lnB>
+                  </a:tcPr>
                 </a:tc>
                 <a:extLst>
                   <a:ext uri="{0D108BD9-81ED-4DB2-BD59-A6C34878D82A}">
@@ -5414,7 +6095,7 @@
           <a:p>
             <a:fld id="{C5E5B3A9-79B5-4540-A326-FCC6F92DD987}" type="slidenum">
               <a:rPr lang="es-CO" smtClean="0"/>
-              <a:t>10</a:t>
+              <a:t>11</a:t>
             </a:fld>
             <a:endParaRPr lang="es-CO"/>
           </a:p>
@@ -5716,6 +6397,372 @@
       </p:grpSpPr>
       <p:sp>
         <p:nvSpPr>
+          <p:cNvPr id="2" name="Título 1"/>
+          <p:cNvSpPr>
+            <a:spLocks noGrp="1"/>
+          </p:cNvSpPr>
+          <p:nvPr>
+            <p:ph type="title"/>
+          </p:nvPr>
+        </p:nvSpPr>
+        <p:spPr/>
+        <p:txBody>
+          <a:bodyPr/>
+          <a:lstStyle/>
+          <a:p>
+            <a:r>
+              <a:rPr lang="es-CO" dirty="0" smtClean="0"/>
+              <a:t>Líneas de trabajo</a:t>
+            </a:r>
+            <a:endParaRPr lang="es-CO" dirty="0"/>
+          </a:p>
+        </p:txBody>
+      </p:sp>
+      <p:sp>
+        <p:nvSpPr>
+          <p:cNvPr id="4" name="Marcador de número de diapositiva 3"/>
+          <p:cNvSpPr>
+            <a:spLocks noGrp="1"/>
+          </p:cNvSpPr>
+          <p:nvPr>
+            <p:ph type="sldNum" sz="quarter" idx="12"/>
+          </p:nvPr>
+        </p:nvSpPr>
+        <p:spPr/>
+        <p:txBody>
+          <a:bodyPr/>
+          <a:lstStyle/>
+          <a:p>
+            <a:fld id="{C5E5B3A9-79B5-4540-A326-FCC6F92DD987}" type="slidenum">
+              <a:rPr lang="es-CO" smtClean="0"/>
+              <a:t>3</a:t>
+            </a:fld>
+            <a:endParaRPr lang="es-CO"/>
+          </a:p>
+        </p:txBody>
+      </p:sp>
+      <p:sp>
+        <p:nvSpPr>
+          <p:cNvPr id="5" name="TextBox 5">
+            <a:extLst>
+              <a:ext uri="{FF2B5EF4-FFF2-40B4-BE49-F238E27FC236}">
+                <a16:creationId xmlns:a16="http://schemas.microsoft.com/office/drawing/2014/main" id="{B1DF4489-FEA3-4310-B792-8E253FEB64CB}"/>
+              </a:ext>
+            </a:extLst>
+          </p:cNvPr>
+          <p:cNvSpPr txBox="1"/>
+          <p:nvPr/>
+        </p:nvSpPr>
+        <p:spPr>
+          <a:xfrm>
+            <a:off x="1460500" y="2364753"/>
+            <a:ext cx="3761182" cy="861774"/>
+          </a:xfrm>
+          <a:prstGeom prst="rect">
+            <a:avLst/>
+          </a:prstGeom>
+          <a:noFill/>
+        </p:spPr>
+        <p:txBody>
+          <a:bodyPr wrap="square" rtlCol="0">
+            <a:spAutoFit/>
+          </a:bodyPr>
+          <a:lstStyle/>
+          <a:p>
+            <a:pPr algn="ctr"/>
+            <a:r>
+              <a:rPr lang="es-CO" sz="2500" dirty="0">
+                <a:latin typeface="Berlin Sans FB" panose="020E0602020502020306" pitchFamily="34" charset="0"/>
+              </a:rPr>
+              <a:t>Semillero de investigación en ciberseguridad</a:t>
+            </a:r>
+          </a:p>
+        </p:txBody>
+      </p:sp>
+      <p:pic>
+        <p:nvPicPr>
+          <p:cNvPr id="7" name="Picture 4" descr="Resultado de imagen para cybersecurity research">
+            <a:extLst>
+              <a:ext uri="{FF2B5EF4-FFF2-40B4-BE49-F238E27FC236}">
+                <a16:creationId xmlns:a16="http://schemas.microsoft.com/office/drawing/2014/main" id="{70BF4A09-991E-4FAE-938C-DA6DB4EFBD45}"/>
+              </a:ext>
+            </a:extLst>
+          </p:cNvPr>
+          <p:cNvPicPr>
+            <a:picLocks noChangeAspect="1" noChangeArrowheads="1"/>
+          </p:cNvPicPr>
+          <p:nvPr/>
+        </p:nvPicPr>
+        <p:blipFill>
+          <a:blip r:embed="rId3" cstate="print">
+            <a:extLst>
+              <a:ext uri="{28A0092B-C50C-407E-A947-70E740481C1C}">
+                <a14:useLocalDpi xmlns:a14="http://schemas.microsoft.com/office/drawing/2010/main" val="0"/>
+              </a:ext>
+            </a:extLst>
+          </a:blip>
+          <a:srcRect/>
+          <a:stretch>
+            <a:fillRect/>
+          </a:stretch>
+        </p:blipFill>
+        <p:spPr bwMode="auto">
+          <a:xfrm>
+            <a:off x="1710999" y="3203089"/>
+            <a:ext cx="3260183" cy="1887428"/>
+          </a:xfrm>
+          <a:prstGeom prst="rect">
+            <a:avLst/>
+          </a:prstGeom>
+          <a:noFill/>
+          <a:extLst>
+            <a:ext uri="{909E8E84-426E-40DD-AFC4-6F175D3DCCD1}">
+              <a14:hiddenFill xmlns:a14="http://schemas.microsoft.com/office/drawing/2010/main">
+                <a:solidFill>
+                  <a:srgbClr val="FFFFFF"/>
+                </a:solidFill>
+              </a14:hiddenFill>
+            </a:ext>
+          </a:extLst>
+        </p:spPr>
+      </p:pic>
+      <p:sp>
+        <p:nvSpPr>
+          <p:cNvPr id="8" name="Rectángulo 7"/>
+          <p:cNvSpPr/>
+          <p:nvPr/>
+        </p:nvSpPr>
+        <p:spPr>
+          <a:xfrm>
+            <a:off x="5968597" y="2364753"/>
+            <a:ext cx="6096000" cy="3170099"/>
+          </a:xfrm>
+          <a:prstGeom prst="rect">
+            <a:avLst/>
+          </a:prstGeom>
+        </p:spPr>
+        <p:txBody>
+          <a:bodyPr>
+            <a:spAutoFit/>
+          </a:bodyPr>
+          <a:lstStyle/>
+          <a:p>
+            <a:pPr marL="457200" lvl="0" indent="-457200">
+              <a:buFont typeface="+mj-lt"/>
+              <a:buAutoNum type="arabicPeriod"/>
+            </a:pPr>
+            <a:r>
+              <a:rPr lang="es-CO" sz="2500" dirty="0">
+                <a:latin typeface="Berlin Sans FB" panose="020E0602020502020306" pitchFamily="34" charset="0"/>
+              </a:rPr>
+              <a:t>Detección de malware en dispositivos </a:t>
+            </a:r>
+            <a:r>
+              <a:rPr lang="es-CO" sz="2500" dirty="0" smtClean="0">
+                <a:latin typeface="Berlin Sans FB" panose="020E0602020502020306" pitchFamily="34" charset="0"/>
+              </a:rPr>
+              <a:t>Android</a:t>
+            </a:r>
+          </a:p>
+          <a:p>
+            <a:pPr marL="457200" indent="-457200">
+              <a:buFont typeface="+mj-lt"/>
+              <a:buAutoNum type="arabicPeriod"/>
+            </a:pPr>
+            <a:r>
+              <a:rPr lang="es-CO" sz="2500" dirty="0">
+                <a:latin typeface="Berlin Sans FB" panose="020E0602020502020306" pitchFamily="34" charset="0"/>
+              </a:rPr>
+              <a:t>Detección de ciberataques </a:t>
+            </a:r>
+            <a:r>
+              <a:rPr lang="es-CO" sz="2500" dirty="0" smtClean="0">
+                <a:latin typeface="Berlin Sans FB" panose="020E0602020502020306" pitchFamily="34" charset="0"/>
+              </a:rPr>
+              <a:t>web</a:t>
+            </a:r>
+            <a:endParaRPr lang="es-CO" sz="2500" dirty="0">
+              <a:latin typeface="Berlin Sans FB" panose="020E0602020502020306" pitchFamily="34" charset="0"/>
+            </a:endParaRPr>
+          </a:p>
+          <a:p>
+            <a:pPr marL="457200" lvl="0" indent="-457200">
+              <a:buFont typeface="+mj-lt"/>
+              <a:buAutoNum type="arabicPeriod"/>
+            </a:pPr>
+            <a:r>
+              <a:rPr lang="es-CO" sz="2500" dirty="0">
+                <a:latin typeface="Berlin Sans FB" panose="020E0602020502020306" pitchFamily="34" charset="0"/>
+              </a:rPr>
+              <a:t>Detección de páginas web </a:t>
+            </a:r>
+            <a:r>
+              <a:rPr lang="es-CO" sz="2500" dirty="0" smtClean="0">
+                <a:latin typeface="Berlin Sans FB" panose="020E0602020502020306" pitchFamily="34" charset="0"/>
+              </a:rPr>
+              <a:t>maliciosas</a:t>
+            </a:r>
+            <a:endParaRPr lang="es-CO" sz="2500" dirty="0">
+              <a:latin typeface="Berlin Sans FB" panose="020E0602020502020306" pitchFamily="34" charset="0"/>
+            </a:endParaRPr>
+          </a:p>
+          <a:p>
+            <a:pPr marL="457200" lvl="0" indent="-457200">
+              <a:buFont typeface="+mj-lt"/>
+              <a:buAutoNum type="arabicPeriod"/>
+            </a:pPr>
+            <a:r>
+              <a:rPr lang="es-CO" sz="2500" dirty="0" smtClean="0">
+                <a:latin typeface="Berlin Sans FB" panose="020E0602020502020306" pitchFamily="34" charset="0"/>
+              </a:rPr>
+              <a:t>Controles </a:t>
+            </a:r>
+            <a:r>
+              <a:rPr lang="es-CO" sz="2500" dirty="0">
+                <a:latin typeface="Berlin Sans FB" panose="020E0602020502020306" pitchFamily="34" charset="0"/>
+              </a:rPr>
+              <a:t>de seguridad para </a:t>
+            </a:r>
+            <a:r>
+              <a:rPr lang="es-CO" sz="2500" i="1" dirty="0" err="1" smtClean="0">
+                <a:latin typeface="Berlin Sans FB" panose="020E0602020502020306" pitchFamily="34" charset="0"/>
+              </a:rPr>
+              <a:t>Defacement</a:t>
+            </a:r>
+            <a:endParaRPr lang="es-CO" sz="2500" i="1" dirty="0" smtClean="0">
+              <a:latin typeface="Berlin Sans FB" panose="020E0602020502020306" pitchFamily="34" charset="0"/>
+            </a:endParaRPr>
+          </a:p>
+          <a:p>
+            <a:pPr marL="457200" indent="-457200">
+              <a:buFont typeface="+mj-lt"/>
+              <a:buAutoNum type="arabicPeriod"/>
+            </a:pPr>
+            <a:r>
+              <a:rPr lang="es-CO" sz="2500" dirty="0">
+                <a:latin typeface="Berlin Sans FB" panose="020E0602020502020306" pitchFamily="34" charset="0"/>
+              </a:rPr>
+              <a:t>Seguridad para la inteligencia artificial (</a:t>
+            </a:r>
+            <a:r>
+              <a:rPr lang="es-CO" sz="2500" dirty="0" err="1">
+                <a:latin typeface="Berlin Sans FB" panose="020E0602020502020306" pitchFamily="34" charset="0"/>
+              </a:rPr>
+              <a:t>Adversarial</a:t>
+            </a:r>
+            <a:r>
+              <a:rPr lang="es-CO" sz="2500" dirty="0">
+                <a:latin typeface="Berlin Sans FB" panose="020E0602020502020306" pitchFamily="34" charset="0"/>
+              </a:rPr>
+              <a:t> Machine </a:t>
+            </a:r>
+            <a:r>
+              <a:rPr lang="es-CO" sz="2500" dirty="0" err="1">
+                <a:latin typeface="Berlin Sans FB" panose="020E0602020502020306" pitchFamily="34" charset="0"/>
+              </a:rPr>
+              <a:t>Learning</a:t>
+            </a:r>
+            <a:r>
+              <a:rPr lang="es-CO" sz="2500" dirty="0" smtClean="0">
+                <a:latin typeface="Berlin Sans FB" panose="020E0602020502020306" pitchFamily="34" charset="0"/>
+              </a:rPr>
+              <a:t>)</a:t>
+            </a:r>
+            <a:endParaRPr lang="es-CO" sz="2500" dirty="0">
+              <a:latin typeface="Berlin Sans FB" panose="020E0602020502020306" pitchFamily="34" charset="0"/>
+            </a:endParaRPr>
+          </a:p>
+          <a:p>
+            <a:pPr marL="457200" lvl="0" indent="-457200">
+              <a:buFont typeface="+mj-lt"/>
+              <a:buAutoNum type="arabicPeriod"/>
+            </a:pPr>
+            <a:endParaRPr lang="es-CO" sz="2500" dirty="0">
+              <a:latin typeface="Berlin Sans FB" panose="020E0602020502020306" pitchFamily="34" charset="0"/>
+            </a:endParaRPr>
+          </a:p>
+        </p:txBody>
+      </p:sp>
+      <p:pic>
+        <p:nvPicPr>
+          <p:cNvPr id="9" name="Picture 2" descr="Resultado de imagen para icesi a otro nivel"/>
+          <p:cNvPicPr>
+            <a:picLocks noChangeAspect="1" noChangeArrowheads="1"/>
+          </p:cNvPicPr>
+          <p:nvPr/>
+        </p:nvPicPr>
+        <p:blipFill>
+          <a:blip r:embed="rId4">
+            <a:extLst>
+              <a:ext uri="{28A0092B-C50C-407E-A947-70E740481C1C}">
+                <a14:useLocalDpi xmlns:a14="http://schemas.microsoft.com/office/drawing/2010/main" val="0"/>
+              </a:ext>
+            </a:extLst>
+          </a:blip>
+          <a:srcRect/>
+          <a:stretch>
+            <a:fillRect/>
+          </a:stretch>
+        </p:blipFill>
+        <p:spPr bwMode="auto">
+          <a:xfrm>
+            <a:off x="0" y="6172200"/>
+            <a:ext cx="2436655" cy="685800"/>
+          </a:xfrm>
+          <a:prstGeom prst="rect">
+            <a:avLst/>
+          </a:prstGeom>
+          <a:noFill/>
+          <a:extLst>
+            <a:ext uri="{909E8E84-426E-40DD-AFC4-6F175D3DCCD1}">
+              <a14:hiddenFill xmlns:a14="http://schemas.microsoft.com/office/drawing/2010/main">
+                <a:solidFill>
+                  <a:srgbClr val="FFFFFF"/>
+                </a:solidFill>
+              </a14:hiddenFill>
+            </a:ext>
+          </a:extLst>
+        </p:spPr>
+      </p:pic>
+    </p:spTree>
+    <p:extLst>
+      <p:ext uri="{BB962C8B-B14F-4D97-AF65-F5344CB8AC3E}">
+        <p14:creationId xmlns:p14="http://schemas.microsoft.com/office/powerpoint/2010/main" val="1110206039"/>
+      </p:ext>
+    </p:extLst>
+  </p:cSld>
+  <p:clrMapOvr>
+    <a:masterClrMapping/>
+  </p:clrMapOvr>
+  <p:timing>
+    <p:tnLst>
+      <p:par>
+        <p:cTn id="1" dur="indefinite" restart="never" nodeType="tmRoot"/>
+      </p:par>
+    </p:tnLst>
+  </p:timing>
+</p:sld>
+</file>
+
+<file path=ppt/slides/slide4.xml><?xml version="1.0" encoding="utf-8"?>
+<p:sld xmlns:a="http://schemas.openxmlformats.org/drawingml/2006/main" xmlns:r="http://schemas.openxmlformats.org/officeDocument/2006/relationships" xmlns:p="http://schemas.openxmlformats.org/presentationml/2006/main">
+  <p:cSld>
+    <p:spTree>
+      <p:nvGrpSpPr>
+        <p:cNvPr id="1" name=""/>
+        <p:cNvGrpSpPr/>
+        <p:nvPr/>
+      </p:nvGrpSpPr>
+      <p:grpSpPr>
+        <a:xfrm>
+          <a:off x="0" y="0"/>
+          <a:ext cx="0" cy="0"/>
+          <a:chOff x="0" y="0"/>
+          <a:chExt cx="0" cy="0"/>
+        </a:xfrm>
+      </p:grpSpPr>
+      <p:sp>
+        <p:nvSpPr>
           <p:cNvPr id="2" name="Title 1">
             <a:extLst>
               <a:ext uri="{FF2B5EF4-FFF2-40B4-BE49-F238E27FC236}">
@@ -5765,7 +6812,7 @@
           <a:p>
             <a:fld id="{C5E5B3A9-79B5-4540-A326-FCC6F92DD987}" type="slidenum">
               <a:rPr lang="es-CO" smtClean="0"/>
-              <a:t>3</a:t>
+              <a:t>4</a:t>
             </a:fld>
             <a:endParaRPr lang="es-CO"/>
           </a:p>
@@ -5986,7 +7033,7 @@
 </p:sld>
 </file>
 
-<file path=ppt/slides/slide4.xml><?xml version="1.0" encoding="utf-8"?>
+<file path=ppt/slides/slide5.xml><?xml version="1.0" encoding="utf-8"?>
 <p:sld xmlns:a="http://schemas.openxmlformats.org/drawingml/2006/main" xmlns:r="http://schemas.openxmlformats.org/officeDocument/2006/relationships" xmlns:p="http://schemas.openxmlformats.org/presentationml/2006/main">
   <p:cSld>
     <p:spTree>
@@ -6111,7 +7158,7 @@
           <a:p>
             <a:fld id="{C5E5B3A9-79B5-4540-A326-FCC6F92DD987}" type="slidenum">
               <a:rPr lang="es-CO" smtClean="0"/>
-              <a:t>4</a:t>
+              <a:t>5</a:t>
             </a:fld>
             <a:endParaRPr lang="es-CO"/>
           </a:p>
@@ -6256,7 +7303,7 @@
 </p:sld>
 </file>
 
-<file path=ppt/slides/slide5.xml><?xml version="1.0" encoding="utf-8"?>
+<file path=ppt/slides/slide6.xml><?xml version="1.0" encoding="utf-8"?>
 <p:sld xmlns:a="http://schemas.openxmlformats.org/drawingml/2006/main" xmlns:r="http://schemas.openxmlformats.org/officeDocument/2006/relationships" xmlns:p="http://schemas.openxmlformats.org/presentationml/2006/main">
   <p:cSld>
     <p:spTree>
@@ -6435,7 +7482,7 @@
           <a:p>
             <a:fld id="{C5E5B3A9-79B5-4540-A326-FCC6F92DD987}" type="slidenum">
               <a:rPr lang="es-CO" smtClean="0"/>
-              <a:t>5</a:t>
+              <a:t>6</a:t>
             </a:fld>
             <a:endParaRPr lang="es-CO"/>
           </a:p>
@@ -6555,7 +7602,7 @@
 </p:sld>
 </file>
 
-<file path=ppt/slides/slide6.xml><?xml version="1.0" encoding="utf-8"?>
+<file path=ppt/slides/slide7.xml><?xml version="1.0" encoding="utf-8"?>
 <p:sld xmlns:a="http://schemas.openxmlformats.org/drawingml/2006/main" xmlns:r="http://schemas.openxmlformats.org/officeDocument/2006/relationships" xmlns:p="http://schemas.openxmlformats.org/presentationml/2006/main">
   <p:cSld>
     <p:spTree>
@@ -6663,7 +7710,7 @@
           <a:p>
             <a:fld id="{C5E5B3A9-79B5-4540-A326-FCC6F92DD987}" type="slidenum">
               <a:rPr lang="es-CO" smtClean="0"/>
-              <a:t>6</a:t>
+              <a:t>7</a:t>
             </a:fld>
             <a:endParaRPr lang="es-CO"/>
           </a:p>
@@ -6736,7 +7783,7 @@
 </p:sld>
 </file>
 
-<file path=ppt/slides/slide7.xml><?xml version="1.0" encoding="utf-8"?>
+<file path=ppt/slides/slide8.xml><?xml version="1.0" encoding="utf-8"?>
 <p:sld xmlns:a="http://schemas.openxmlformats.org/drawingml/2006/main" xmlns:r="http://schemas.openxmlformats.org/officeDocument/2006/relationships" xmlns:p="http://schemas.openxmlformats.org/presentationml/2006/main">
   <p:cSld>
     <p:spTree>
@@ -6793,7 +7840,7 @@
           <a:p>
             <a:fld id="{C5E5B3A9-79B5-4540-A326-FCC6F92DD987}" type="slidenum">
               <a:rPr lang="es-CO" smtClean="0"/>
-              <a:t>7</a:t>
+              <a:t>8</a:t>
             </a:fld>
             <a:endParaRPr lang="es-CO"/>
           </a:p>
@@ -6931,7 +7978,7 @@
 </p:sld>
 </file>
 
-<file path=ppt/slides/slide8.xml><?xml version="1.0" encoding="utf-8"?>
+<file path=ppt/slides/slide9.xml><?xml version="1.0" encoding="utf-8"?>
 <p:sld xmlns:a="http://schemas.openxmlformats.org/drawingml/2006/main" xmlns:r="http://schemas.openxmlformats.org/officeDocument/2006/relationships" xmlns:p="http://schemas.openxmlformats.org/presentationml/2006/main">
   <p:cSld>
     <p:spTree>
@@ -6996,44 +8043,40 @@
               <a:t> es una plataforma para desarrollo colaborativo, permite crear proyectos libres o </a:t>
             </a:r>
             <a:r>
+              <a:rPr lang="es-CO" dirty="0" smtClean="0"/>
+              <a:t>privados. </a:t>
+            </a:r>
+            <a:r>
+              <a:rPr lang="es-CO" dirty="0" smtClean="0"/>
+              <a:t>Además, integra un gestor de versiones que facilita al desarrollo de proyectos de software. </a:t>
+            </a:r>
+          </a:p>
+          <a:p>
+            <a:pPr algn="just"/>
+            <a:r>
+              <a:rPr lang="es-CO" dirty="0" smtClean="0"/>
+              <a:t>Con el fin de promover el desarrollo de software </a:t>
+            </a:r>
+            <a:r>
+              <a:rPr lang="es-CO" i="1" dirty="0" smtClean="0"/>
+              <a:t>open </a:t>
+            </a:r>
+            <a:r>
+              <a:rPr lang="es-CO" i="1" dirty="0" err="1" smtClean="0"/>
+              <a:t>source</a:t>
+            </a:r>
+            <a:r>
+              <a:rPr lang="es-CO" dirty="0" smtClean="0"/>
+              <a:t> y a la visualización de las experiencias profesionales, cada estudiante deberá presentar sus trabajos en su propio repositorio en </a:t>
+            </a:r>
+            <a:r>
               <a:rPr lang="es-CO" dirty="0" err="1" smtClean="0"/>
-              <a:t>privadoS</a:t>
+              <a:t>Github</a:t>
             </a:r>
             <a:r>
               <a:rPr lang="es-CO" dirty="0" smtClean="0"/>
               <a:t>. </a:t>
             </a:r>
-            <a:r>
-              <a:rPr lang="es-CO" dirty="0" smtClean="0"/>
-              <a:t>Además, integra un gestor de versiones que facilita al desarrollo de proyectos de software. </a:t>
-            </a:r>
-          </a:p>
-          <a:p>
-            <a:pPr algn="just"/>
-            <a:r>
-              <a:rPr lang="es-CO" dirty="0" smtClean="0"/>
-              <a:t>Con el fin de promover el desarrollo de software </a:t>
-            </a:r>
-            <a:r>
-              <a:rPr lang="es-CO" i="1" dirty="0" smtClean="0"/>
-              <a:t>open </a:t>
-            </a:r>
-            <a:r>
-              <a:rPr lang="es-CO" i="1" dirty="0" err="1" smtClean="0"/>
-              <a:t>source</a:t>
-            </a:r>
-            <a:r>
-              <a:rPr lang="es-CO" dirty="0" smtClean="0"/>
-              <a:t> y a la visualización de las experiencias profesionales, cada estudiante deberá presentar sus trabajos en su propio repositorio en </a:t>
-            </a:r>
-            <a:r>
-              <a:rPr lang="es-CO" dirty="0" err="1" smtClean="0"/>
-              <a:t>Github</a:t>
-            </a:r>
-            <a:r>
-              <a:rPr lang="es-CO" dirty="0" smtClean="0"/>
-              <a:t>. </a:t>
-            </a:r>
             <a:endParaRPr lang="es-CO" dirty="0"/>
           </a:p>
         </p:txBody>
@@ -7055,7 +8098,7 @@
           <a:p>
             <a:fld id="{C5E5B3A9-79B5-4540-A326-FCC6F92DD987}" type="slidenum">
               <a:rPr lang="es-CO" smtClean="0"/>
-              <a:t>8</a:t>
+              <a:t>9</a:t>
             </a:fld>
             <a:endParaRPr lang="es-CO"/>
           </a:p>
@@ -7175,222 +8218,6 @@
     <p:extLst>
       <p:ext uri="{BB962C8B-B14F-4D97-AF65-F5344CB8AC3E}">
         <p14:creationId xmlns:p14="http://schemas.microsoft.com/office/powerpoint/2010/main" val="2919328223"/>
-      </p:ext>
-    </p:extLst>
-  </p:cSld>
-  <p:clrMapOvr>
-    <a:masterClrMapping/>
-  </p:clrMapOvr>
-</p:sld>
-</file>
-
-<file path=ppt/slides/slide9.xml><?xml version="1.0" encoding="utf-8"?>
-<p:sld xmlns:a="http://schemas.openxmlformats.org/drawingml/2006/main" xmlns:r="http://schemas.openxmlformats.org/officeDocument/2006/relationships" xmlns:p="http://schemas.openxmlformats.org/presentationml/2006/main">
-  <p:cSld>
-    <p:spTree>
-      <p:nvGrpSpPr>
-        <p:cNvPr id="1" name=""/>
-        <p:cNvGrpSpPr/>
-        <p:nvPr/>
-      </p:nvGrpSpPr>
-      <p:grpSpPr>
-        <a:xfrm>
-          <a:off x="0" y="0"/>
-          <a:ext cx="0" cy="0"/>
-          <a:chOff x="0" y="0"/>
-          <a:chExt cx="0" cy="0"/>
-        </a:xfrm>
-      </p:grpSpPr>
-      <p:sp>
-        <p:nvSpPr>
-          <p:cNvPr id="2" name="Título 1"/>
-          <p:cNvSpPr>
-            <a:spLocks noGrp="1"/>
-          </p:cNvSpPr>
-          <p:nvPr>
-            <p:ph type="title"/>
-          </p:nvPr>
-        </p:nvSpPr>
-        <p:spPr/>
-        <p:txBody>
-          <a:bodyPr/>
-          <a:lstStyle/>
-          <a:p>
-            <a:r>
-              <a:rPr lang="es-CO" dirty="0" smtClean="0"/>
-              <a:t>Próxima clase</a:t>
-            </a:r>
-            <a:endParaRPr lang="es-CO" dirty="0"/>
-          </a:p>
-        </p:txBody>
-      </p:sp>
-      <p:sp>
-        <p:nvSpPr>
-          <p:cNvPr id="3" name="Marcador de contenido 2"/>
-          <p:cNvSpPr>
-            <a:spLocks noGrp="1"/>
-          </p:cNvSpPr>
-          <p:nvPr>
-            <p:ph idx="1"/>
-          </p:nvPr>
-        </p:nvSpPr>
-        <p:spPr/>
-        <p:txBody>
-          <a:bodyPr>
-            <a:normAutofit lnSpcReduction="10000"/>
-          </a:bodyPr>
-          <a:lstStyle/>
-          <a:p>
-            <a:r>
-              <a:rPr lang="es-CO" dirty="0"/>
-              <a:t>¿Qué es una red?</a:t>
-            </a:r>
-          </a:p>
-          <a:p>
-            <a:r>
-              <a:rPr lang="es-CO" dirty="0"/>
-              <a:t>¿Cuáles son los elementos de una red de comunicaciones?</a:t>
-            </a:r>
-          </a:p>
-          <a:p>
-            <a:r>
-              <a:rPr lang="es-CO" dirty="0"/>
-              <a:t>¿Cómo se clasifica una red y que tipos existen? </a:t>
-            </a:r>
-            <a:endParaRPr lang="es-CO" dirty="0" smtClean="0"/>
-          </a:p>
-          <a:p>
-            <a:r>
-              <a:rPr lang="es-CO" dirty="0" smtClean="0"/>
-              <a:t>¿Cuáles son los componentes de una estructura de una red y que tipologías existen?</a:t>
-            </a:r>
-          </a:p>
-          <a:p>
-            <a:r>
-              <a:rPr lang="es-CO" dirty="0" smtClean="0"/>
-              <a:t>Explique el funcionamiento de una red</a:t>
-            </a:r>
-          </a:p>
-          <a:p>
-            <a:r>
-              <a:rPr lang="es-CO" dirty="0" err="1" smtClean="0"/>
-              <a:t>Interredes</a:t>
-            </a:r>
-            <a:endParaRPr lang="es-CO" dirty="0" smtClean="0"/>
-          </a:p>
-          <a:p>
-            <a:r>
-              <a:rPr lang="es-CO" dirty="0" smtClean="0"/>
-              <a:t>Explique los </a:t>
-            </a:r>
-            <a:r>
-              <a:rPr lang="es-CO" dirty="0"/>
-              <a:t>m</a:t>
-            </a:r>
-            <a:r>
-              <a:rPr lang="es-CO" dirty="0" smtClean="0"/>
-              <a:t>odelos de referencia, protocolos y redes basadas en niveles</a:t>
-            </a:r>
-          </a:p>
-          <a:p>
-            <a:r>
-              <a:rPr lang="es-CO" dirty="0" smtClean="0"/>
-              <a:t>Explique las capas de una red</a:t>
-            </a:r>
-          </a:p>
-          <a:p>
-            <a:r>
-              <a:rPr lang="es-CO" dirty="0" smtClean="0"/>
-              <a:t>¿Qué es una dirección IP, un nombre de dominio y </a:t>
-            </a:r>
-            <a:r>
-              <a:rPr lang="es-CO" smtClean="0"/>
-              <a:t>un puerto?</a:t>
-            </a:r>
-            <a:endParaRPr lang="es-CO" dirty="0" smtClean="0"/>
-          </a:p>
-          <a:p>
-            <a:endParaRPr lang="es-CO" dirty="0" smtClean="0"/>
-          </a:p>
-          <a:p>
-            <a:endParaRPr lang="es-CO" dirty="0"/>
-          </a:p>
-        </p:txBody>
-      </p:sp>
-      <p:sp>
-        <p:nvSpPr>
-          <p:cNvPr id="4" name="Marcador de número de diapositiva 3"/>
-          <p:cNvSpPr>
-            <a:spLocks noGrp="1"/>
-          </p:cNvSpPr>
-          <p:nvPr>
-            <p:ph type="sldNum" sz="quarter" idx="12"/>
-          </p:nvPr>
-        </p:nvSpPr>
-        <p:spPr/>
-        <p:txBody>
-          <a:bodyPr/>
-          <a:lstStyle/>
-          <a:p>
-            <a:fld id="{C5E5B3A9-79B5-4540-A326-FCC6F92DD987}" type="slidenum">
-              <a:rPr lang="es-CO" smtClean="0"/>
-              <a:t>9</a:t>
-            </a:fld>
-            <a:endParaRPr lang="es-CO"/>
-          </a:p>
-        </p:txBody>
-      </p:sp>
-      <p:pic>
-        <p:nvPicPr>
-          <p:cNvPr id="5" name="Picture 2" descr="Resultado de imagen para icesi a otro nivel">
-            <a:extLst>
-              <a:ext uri="{FF2B5EF4-FFF2-40B4-BE49-F238E27FC236}">
-                <a16:creationId xmlns:a16="http://schemas.microsoft.com/office/drawing/2014/main" id="{D7F490AC-5003-4CAB-99EE-50151E9B8008}"/>
-              </a:ext>
-            </a:extLst>
-          </p:cNvPr>
-          <p:cNvPicPr>
-            <a:picLocks noChangeAspect="1" noChangeArrowheads="1"/>
-          </p:cNvPicPr>
-          <p:nvPr/>
-        </p:nvPicPr>
-        <p:blipFill>
-          <a:blip r:embed="rId2">
-            <a:extLst>
-              <a:ext uri="{28A0092B-C50C-407E-A947-70E740481C1C}">
-                <a14:useLocalDpi xmlns:a14="http://schemas.microsoft.com/office/drawing/2010/main" val="0"/>
-              </a:ext>
-            </a:extLst>
-          </a:blip>
-          <a:srcRect/>
-          <a:stretch>
-            <a:fillRect/>
-          </a:stretch>
-        </p:blipFill>
-        <p:spPr bwMode="auto">
-          <a:xfrm>
-            <a:off x="0" y="6181436"/>
-            <a:ext cx="2436655" cy="685800"/>
-          </a:xfrm>
-          <a:prstGeom prst="rect">
-            <a:avLst/>
-          </a:prstGeom>
-          <a:noFill/>
-          <a:extLst>
-            <a:ext uri="{909E8E84-426E-40DD-AFC4-6F175D3DCCD1}">
-              <a14:hiddenFill xmlns:a14="http://schemas.microsoft.com/office/drawing/2010/main">
-                <a:solidFill>
-                  <a:srgbClr val="FFFFFF"/>
-                </a:solidFill>
-              </a14:hiddenFill>
-            </a:ext>
-          </a:extLst>
-        </p:spPr>
-      </p:pic>
-    </p:spTree>
-    <p:extLst>
-      <p:ext uri="{BB962C8B-B14F-4D97-AF65-F5344CB8AC3E}">
-        <p14:creationId xmlns:p14="http://schemas.microsoft.com/office/powerpoint/2010/main" val="1817516686"/>
       </p:ext>
     </p:extLst>
   </p:cSld>

--- a/My courses/Networks/Sesion1.pptx
+++ b/My courses/Networks/Sesion1.pptx
@@ -510,7 +510,7 @@
           <a:p>
             <a:fld id="{B2E8E9B9-1E63-4F39-B8D0-582BC410424E}" type="datetimeFigureOut">
               <a:rPr lang="es-CO" smtClean="0"/>
-              <a:t>31/07/2018</a:t>
+              <a:t>2/08/2018</a:t>
             </a:fld>
             <a:endParaRPr lang="es-CO"/>
           </a:p>
@@ -1265,7 +1265,7 @@
           <a:p>
             <a:fld id="{7686B5EC-4FB1-41B7-8670-53AEB2EB1F31}" type="datetime1">
               <a:rPr lang="es-CO" smtClean="0"/>
-              <a:t>31/07/2018</a:t>
+              <a:t>2/08/2018</a:t>
             </a:fld>
             <a:endParaRPr lang="es-CO"/>
           </a:p>
@@ -1444,7 +1444,7 @@
           <a:p>
             <a:fld id="{62E4560F-08EB-4591-90FD-AD5C1DC1F912}" type="datetime1">
               <a:rPr lang="es-CO" smtClean="0"/>
-              <a:t>31/07/2018</a:t>
+              <a:t>2/08/2018</a:t>
             </a:fld>
             <a:endParaRPr lang="es-CO"/>
           </a:p>
@@ -1624,7 +1624,7 @@
           <a:p>
             <a:fld id="{46C3FAB3-FA39-4B21-835A-5E3984399770}" type="datetime1">
               <a:rPr lang="es-CO" smtClean="0"/>
-              <a:t>31/07/2018</a:t>
+              <a:t>2/08/2018</a:t>
             </a:fld>
             <a:endParaRPr lang="es-CO"/>
           </a:p>
@@ -1794,7 +1794,7 @@
           <a:p>
             <a:fld id="{CE59C47A-37D4-4CD3-863B-E2426EE6CC8B}" type="datetime1">
               <a:rPr lang="es-CO" smtClean="0"/>
-              <a:t>31/07/2018</a:t>
+              <a:t>2/08/2018</a:t>
             </a:fld>
             <a:endParaRPr lang="es-CO"/>
           </a:p>
@@ -2107,7 +2107,7 @@
           <a:p>
             <a:fld id="{52D3C397-871A-486A-9EDA-A50E2540B44C}" type="datetime1">
               <a:rPr lang="es-CO" smtClean="0"/>
-              <a:t>31/07/2018</a:t>
+              <a:t>2/08/2018</a:t>
             </a:fld>
             <a:endParaRPr lang="es-CO"/>
           </a:p>
@@ -2493,7 +2493,7 @@
           <a:p>
             <a:fld id="{F5F208A2-D046-4CB3-B907-9AFEC6B4C15E}" type="datetime1">
               <a:rPr lang="es-CO" smtClean="0"/>
-              <a:t>31/07/2018</a:t>
+              <a:t>2/08/2018</a:t>
             </a:fld>
             <a:endParaRPr lang="es-CO"/>
           </a:p>
@@ -2927,7 +2927,7 @@
           <a:p>
             <a:fld id="{170543B1-7E09-44FA-9D8B-F7555B771CB0}" type="datetime1">
               <a:rPr lang="es-CO" smtClean="0"/>
-              <a:t>31/07/2018</a:t>
+              <a:t>2/08/2018</a:t>
             </a:fld>
             <a:endParaRPr lang="es-CO"/>
           </a:p>
@@ -3045,7 +3045,7 @@
           <a:p>
             <a:fld id="{08F7ECEC-DB93-4B02-ABB3-32DAF92FC469}" type="datetime1">
               <a:rPr lang="es-CO" smtClean="0"/>
-              <a:t>31/07/2018</a:t>
+              <a:t>2/08/2018</a:t>
             </a:fld>
             <a:endParaRPr lang="es-CO"/>
           </a:p>
@@ -3140,7 +3140,7 @@
           <a:p>
             <a:fld id="{FA3FB42F-D29F-4CA9-87B0-922206F8D5F8}" type="datetime1">
               <a:rPr lang="es-CO" smtClean="0"/>
-              <a:t>31/07/2018</a:t>
+              <a:t>2/08/2018</a:t>
             </a:fld>
             <a:endParaRPr lang="es-CO"/>
           </a:p>
@@ -3490,7 +3490,7 @@
           <a:p>
             <a:fld id="{2A2B69C3-9891-4BE4-9764-7F83AEDC17A0}" type="datetime1">
               <a:rPr lang="es-CO" smtClean="0"/>
-              <a:t>31/07/2018</a:t>
+              <a:t>2/08/2018</a:t>
             </a:fld>
             <a:endParaRPr lang="es-CO"/>
           </a:p>
@@ -3915,7 +3915,7 @@
           <a:p>
             <a:fld id="{2A1B9C8D-6C34-4E0F-8C0D-07BF18418F64}" type="datetime1">
               <a:rPr lang="es-CO" smtClean="0"/>
-              <a:t>31/07/2018</a:t>
+              <a:t>2/08/2018</a:t>
             </a:fld>
             <a:endParaRPr lang="es-CO"/>
           </a:p>
@@ -4196,7 +4196,7 @@
           <a:p>
             <a:fld id="{BBFFA07A-99AB-4C84-99F6-2A5A5CBA9238}" type="datetime1">
               <a:rPr lang="es-CO" smtClean="0"/>
-              <a:t>31/07/2018</a:t>
+              <a:t>2/08/2018</a:t>
             </a:fld>
             <a:endParaRPr lang="es-CO"/>
           </a:p>
@@ -6535,7 +6535,7 @@
         <p:spPr>
           <a:xfrm>
             <a:off x="5968597" y="2364753"/>
-            <a:ext cx="6096000" cy="3170099"/>
+            <a:ext cx="6096000" cy="3939540"/>
           </a:xfrm>
           <a:prstGeom prst="rect">
             <a:avLst/>
@@ -6630,6 +6630,51 @@
               <a:t>Defacement</a:t>
             </a:r>
             <a:endParaRPr lang="es-CO" sz="2500" i="1" dirty="0" smtClean="0">
+              <a:latin typeface="Berlin Sans FB" panose="020E0602020502020306" pitchFamily="34" charset="0"/>
+            </a:endParaRPr>
+          </a:p>
+          <a:p>
+            <a:pPr marL="457200" lvl="0" indent="-457200">
+              <a:buFont typeface="+mj-lt"/>
+              <a:buAutoNum type="arabicPeriod"/>
+            </a:pPr>
+            <a:r>
+              <a:rPr lang="es-CO" sz="2500" i="1" dirty="0" smtClean="0">
+                <a:latin typeface="Berlin Sans FB" panose="020E0602020502020306" pitchFamily="34" charset="0"/>
+              </a:rPr>
+              <a:t>Hacking </a:t>
+            </a:r>
+            <a:r>
+              <a:rPr lang="es-CO" sz="2500" dirty="0" smtClean="0">
+                <a:latin typeface="Berlin Sans FB" panose="020E0602020502020306" pitchFamily="34" charset="0"/>
+              </a:rPr>
+              <a:t>con hardware </a:t>
+            </a:r>
+          </a:p>
+          <a:p>
+            <a:pPr marL="457200" lvl="0" indent="-457200">
+              <a:buFont typeface="+mj-lt"/>
+              <a:buAutoNum type="arabicPeriod"/>
+            </a:pPr>
+            <a:r>
+              <a:rPr lang="es-CO" sz="2500" dirty="0" smtClean="0">
+                <a:latin typeface="Berlin Sans FB" panose="020E0602020502020306" pitchFamily="34" charset="0"/>
+              </a:rPr>
+              <a:t>Detección de mineros de </a:t>
+            </a:r>
+            <a:r>
+              <a:rPr lang="es-CO" sz="2500" dirty="0" err="1" smtClean="0">
+                <a:latin typeface="Berlin Sans FB" panose="020E0602020502020306" pitchFamily="34" charset="0"/>
+              </a:rPr>
+              <a:t>criptomonedas</a:t>
+            </a:r>
+            <a:r>
+              <a:rPr lang="es-CO" sz="2500" dirty="0" smtClean="0">
+                <a:latin typeface="Berlin Sans FB" panose="020E0602020502020306" pitchFamily="34" charset="0"/>
+              </a:rPr>
+              <a:t>. </a:t>
+            </a:r>
+            <a:endParaRPr lang="es-CO" sz="2500" dirty="0" smtClean="0">
               <a:latin typeface="Berlin Sans FB" panose="020E0602020502020306" pitchFamily="34" charset="0"/>
             </a:endParaRPr>
           </a:p>
@@ -8040,15 +8085,7 @@
             </a:r>
             <a:r>
               <a:rPr lang="es-CO" dirty="0" smtClean="0"/>
-              <a:t> es una plataforma para desarrollo colaborativo, permite crear proyectos libres o </a:t>
-            </a:r>
-            <a:r>
-              <a:rPr lang="es-CO" dirty="0" smtClean="0"/>
-              <a:t>privados. </a:t>
-            </a:r>
-            <a:r>
-              <a:rPr lang="es-CO" dirty="0" smtClean="0"/>
-              <a:t>Además, integra un gestor de versiones que facilita al desarrollo de proyectos de software. </a:t>
+              <a:t> es una plataforma para desarrollo colaborativo, permite crear proyectos libres o privados. Además, integra un gestor de versiones que facilita al desarrollo de proyectos de software. </a:t>
             </a:r>
           </a:p>
           <a:p>
